--- a/products/public-websites/home-page/research/redesign-usability/analysis/Home Page Redesign Usability Test pictures for report.pptx
+++ b/products/public-websites/home-page/research/redesign-usability/analysis/Home Page Redesign Usability Test pictures for report.pptx
@@ -14650,7 +14650,7 @@
         <p:spPr>
           <a:xfrm>
             <a:off x="5474875" y="667775"/>
-            <a:ext cx="3550200" cy="3790500"/>
+            <a:ext cx="3550200" cy="4252200"/>
           </a:xfrm>
           <a:prstGeom prst="rect">
             <a:avLst/>
@@ -14943,7 +14943,7 @@
                 <a:spcPts val="1000"/>
               </a:spcBef>
               <a:spcAft>
-                <a:spcPts val="1000"/>
+                <a:spcPts val="0"/>
               </a:spcAft>
               <a:buNone/>
             </a:pPr>
@@ -14951,6 +14951,41 @@
               <a:t/>
             </a:r>
             <a:endParaRPr sz="1500">
+              <a:solidFill>
+                <a:schemeClr val="dk1"/>
+              </a:solidFill>
+            </a:endParaRPr>
+          </a:p>
+          <a:p>
+            <a:pPr indent="0" lvl="0" marL="0" rtl="0" algn="l">
+              <a:lnSpc>
+                <a:spcPct val="115000"/>
+              </a:lnSpc>
+              <a:spcBef>
+                <a:spcPts val="1000"/>
+              </a:spcBef>
+              <a:spcAft>
+                <a:spcPts val="1000"/>
+              </a:spcAft>
+              <a:buNone/>
+            </a:pPr>
+            <a:r>
+              <a:rPr lang="en" sz="2000">
+                <a:solidFill>
+                  <a:schemeClr val="dk1"/>
+                </a:solidFill>
+              </a:rPr>
+              <a:t>*</a:t>
+            </a:r>
+            <a:r>
+              <a:rPr i="1" lang="en" sz="1300">
+                <a:solidFill>
+                  <a:schemeClr val="dk1"/>
+                </a:solidFill>
+              </a:rPr>
+              <a:t>0% is OK because we didn’t have any tasks that related to the Vantage part of the page </a:t>
+            </a:r>
+            <a:endParaRPr i="1" sz="1300">
               <a:solidFill>
                 <a:schemeClr val="dk1"/>
               </a:solidFill>
@@ -16476,8 +16511,8 @@
         </p:nvSpPr>
         <p:spPr>
           <a:xfrm>
-            <a:off x="3759725" y="1568075"/>
-            <a:ext cx="861600" cy="415500"/>
+            <a:off x="3809972" y="1415675"/>
+            <a:ext cx="861600" cy="538800"/>
           </a:xfrm>
           <a:prstGeom prst="rect">
             <a:avLst/>
@@ -16530,7 +16565,19 @@
               </a:rPr>
               <a:t>%</a:t>
             </a:r>
-            <a:endParaRPr b="0" i="0" sz="1100" u="none" cap="none" strike="noStrike">
+            <a:r>
+              <a:rPr b="0" i="0" lang="en" sz="2300" u="none" cap="none" strike="noStrike">
+                <a:solidFill>
+                  <a:srgbClr val="FFFFFF"/>
+                </a:solidFill>
+                <a:latin typeface="Arial"/>
+                <a:ea typeface="Arial"/>
+                <a:cs typeface="Arial"/>
+                <a:sym typeface="Arial"/>
+              </a:rPr>
+              <a:t>*</a:t>
+            </a:r>
+            <a:endParaRPr b="0" i="0" sz="1900" u="none" cap="none" strike="noStrike">
               <a:solidFill>
                 <a:srgbClr val="FFFFFF"/>
               </a:solidFill>
@@ -16718,9 +16765,9 @@
 </file>
 
 <file path=ppt/theme/theme1.xml><?xml version="1.0" encoding="utf-8"?>
-<a:theme xmlns:a="http://schemas.openxmlformats.org/drawingml/2006/main" xmlns:r="http://schemas.openxmlformats.org/officeDocument/2006/relationships">
+<a:theme xmlns:a="http://schemas.openxmlformats.org/drawingml/2006/main" xmlns:r="http://schemas.openxmlformats.org/officeDocument/2006/relationships" name="Simple Light">
   <a:themeElements>
-    <a:clrScheme name="Default">
+    <a:clrScheme name="Simple Light">
       <a:dk1>
         <a:srgbClr val="000000"/>
       </a:dk1>
@@ -16728,34 +16775,34 @@
         <a:srgbClr val="FFFFFF"/>
       </a:lt1>
       <a:dk2>
-        <a:srgbClr val="158158"/>
+        <a:srgbClr val="595959"/>
       </a:dk2>
       <a:lt2>
-        <a:srgbClr val="F3F3F3"/>
+        <a:srgbClr val="EEEEEE"/>
       </a:lt2>
       <a:accent1>
-        <a:srgbClr val="058DC7"/>
+        <a:srgbClr val="4285F4"/>
       </a:accent1>
       <a:accent2>
-        <a:srgbClr val="50B432"/>
+        <a:srgbClr val="212121"/>
       </a:accent2>
       <a:accent3>
-        <a:srgbClr val="ED561B"/>
+        <a:srgbClr val="78909C"/>
       </a:accent3>
       <a:accent4>
-        <a:srgbClr val="EDEF00"/>
+        <a:srgbClr val="FFAB40"/>
       </a:accent4>
       <a:accent5>
-        <a:srgbClr val="24CBE5"/>
+        <a:srgbClr val="0097A7"/>
       </a:accent5>
       <a:accent6>
-        <a:srgbClr val="64E572"/>
+        <a:srgbClr val="EEFF41"/>
       </a:accent6>
       <a:hlink>
-        <a:srgbClr val="2200CC"/>
+        <a:srgbClr val="0097A7"/>
       </a:hlink>
       <a:folHlink>
-        <a:srgbClr val="551A8B"/>
+        <a:srgbClr val="0097A7"/>
       </a:folHlink>
     </a:clrScheme>
     <a:fontScheme name="Office">
@@ -17276,9 +17323,9 @@
 </file>
 
 <file path=ppt/theme/theme3.xml><?xml version="1.0" encoding="utf-8"?>
-<a:theme xmlns:a="http://schemas.openxmlformats.org/drawingml/2006/main" xmlns:r="http://schemas.openxmlformats.org/officeDocument/2006/relationships" name="Simple Light">
+<a:theme xmlns:a="http://schemas.openxmlformats.org/drawingml/2006/main" xmlns:r="http://schemas.openxmlformats.org/officeDocument/2006/relationships">
   <a:themeElements>
-    <a:clrScheme name="Simple Light">
+    <a:clrScheme name="Default">
       <a:dk1>
         <a:srgbClr val="000000"/>
       </a:dk1>
@@ -17286,34 +17333,34 @@
         <a:srgbClr val="FFFFFF"/>
       </a:lt1>
       <a:dk2>
-        <a:srgbClr val="595959"/>
+        <a:srgbClr val="158158"/>
       </a:dk2>
       <a:lt2>
-        <a:srgbClr val="EEEEEE"/>
+        <a:srgbClr val="F3F3F3"/>
       </a:lt2>
       <a:accent1>
-        <a:srgbClr val="4285F4"/>
+        <a:srgbClr val="058DC7"/>
       </a:accent1>
       <a:accent2>
-        <a:srgbClr val="212121"/>
+        <a:srgbClr val="50B432"/>
       </a:accent2>
       <a:accent3>
-        <a:srgbClr val="78909C"/>
+        <a:srgbClr val="ED561B"/>
       </a:accent3>
       <a:accent4>
-        <a:srgbClr val="FFAB40"/>
+        <a:srgbClr val="EDEF00"/>
       </a:accent4>
       <a:accent5>
-        <a:srgbClr val="0097A7"/>
+        <a:srgbClr val="24CBE5"/>
       </a:accent5>
       <a:accent6>
-        <a:srgbClr val="EEFF41"/>
+        <a:srgbClr val="64E572"/>
       </a:accent6>
       <a:hlink>
-        <a:srgbClr val="0097A7"/>
+        <a:srgbClr val="2200CC"/>
       </a:hlink>
       <a:folHlink>
-        <a:srgbClr val="0097A7"/>
+        <a:srgbClr val="551A8B"/>
       </a:folHlink>
     </a:clrScheme>
     <a:fontScheme name="Office">
